--- a/software/Ch_X_summary.pptx
+++ b/software/Ch_X_summary.pptx
@@ -7,6 +7,9 @@
   <p:notesMasterIdLst>
     <p:notesMasterId r:id="rId23"/>
   </p:notesMasterIdLst>
+  <p:handoutMasterIdLst>
+    <p:handoutMasterId r:id="rId24"/>
+  </p:handoutMasterIdLst>
   <p:sldIdLst>
     <p:sldId id="256" r:id="rId2"/>
     <p:sldId id="382" r:id="rId3"/>
@@ -31,7 +34,7 @@
     <p:sldId id="381" r:id="rId22"/>
   </p:sldIdLst>
   <p:sldSz cx="9144000" cy="6858000" type="screen4x3"/>
-  <p:notesSz cx="6858000" cy="9144000"/>
+  <p:notesSz cx="9925050" cy="6797675"/>
   <p:defaultTextStyle>
     <a:defPPr>
       <a:defRPr lang="zh-CN"/>
@@ -176,6 +179,171 @@
 </p:presentation>
 </file>
 
+<file path=ppt/handoutMasters/handoutMaster1.xml><?xml version="1.0" encoding="utf-8"?>
+<p:handoutMaster xmlns:a="http://schemas.openxmlformats.org/drawingml/2006/main" xmlns:r="http://schemas.openxmlformats.org/officeDocument/2006/relationships" xmlns:p="http://schemas.openxmlformats.org/presentationml/2006/main">
+  <p:cSld>
+    <p:bg>
+      <p:bgRef idx="1001">
+        <a:schemeClr val="bg1"/>
+      </p:bgRef>
+    </p:bg>
+    <p:spTree>
+      <p:nvGrpSpPr>
+        <p:cNvPr id="1" name=""/>
+        <p:cNvGrpSpPr/>
+        <p:nvPr/>
+      </p:nvGrpSpPr>
+      <p:grpSpPr>
+        <a:xfrm>
+          <a:off x="0" y="0"/>
+          <a:ext cx="0" cy="0"/>
+          <a:chOff x="0" y="0"/>
+          <a:chExt cx="0" cy="0"/>
+        </a:xfrm>
+      </p:grpSpPr>
+      <p:sp>
+        <p:nvSpPr>
+          <p:cNvPr id="2" name="页眉占位符 1"/>
+          <p:cNvSpPr>
+            <a:spLocks noGrp="1"/>
+          </p:cNvSpPr>
+          <p:nvPr>
+            <p:ph type="hdr" sz="quarter"/>
+          </p:nvPr>
+        </p:nvSpPr>
+        <p:spPr>
+          <a:xfrm>
+            <a:off x="0" y="1"/>
+            <a:ext cx="4300855" cy="341064"/>
+          </a:xfrm>
+          <a:prstGeom prst="rect">
+            <a:avLst/>
+          </a:prstGeom>
+        </p:spPr>
+        <p:txBody>
+          <a:bodyPr vert="horz" lIns="91440" tIns="45720" rIns="91440" bIns="45720" rtlCol="0"/>
+          <a:lstStyle>
+            <a:lvl1pPr algn="l">
+              <a:defRPr sz="1200"/>
+            </a:lvl1pPr>
+          </a:lstStyle>
+          <a:p>
+            <a:endParaRPr lang="zh-CN" altLang="en-US"/>
+          </a:p>
+        </p:txBody>
+      </p:sp>
+      <p:sp>
+        <p:nvSpPr>
+          <p:cNvPr id="3" name="日期占位符 2"/>
+          <p:cNvSpPr>
+            <a:spLocks noGrp="1"/>
+          </p:cNvSpPr>
+          <p:nvPr>
+            <p:ph type="dt" sz="quarter" idx="1"/>
+          </p:nvPr>
+        </p:nvSpPr>
+        <p:spPr>
+          <a:xfrm>
+            <a:off x="5621898" y="1"/>
+            <a:ext cx="4300855" cy="341064"/>
+          </a:xfrm>
+          <a:prstGeom prst="rect">
+            <a:avLst/>
+          </a:prstGeom>
+        </p:spPr>
+        <p:txBody>
+          <a:bodyPr vert="horz" lIns="91440" tIns="45720" rIns="91440" bIns="45720" rtlCol="0"/>
+          <a:lstStyle>
+            <a:lvl1pPr algn="r">
+              <a:defRPr sz="1200"/>
+            </a:lvl1pPr>
+          </a:lstStyle>
+          <a:p>
+            <a:fld id="{4AF12C6D-E7B5-42F4-8BCD-D61597425BC9}" type="datetimeFigureOut">
+              <a:rPr lang="zh-CN" altLang="en-US" smtClean="0"/>
+              <a:t>2020/5/6</a:t>
+            </a:fld>
+            <a:endParaRPr lang="zh-CN" altLang="en-US"/>
+          </a:p>
+        </p:txBody>
+      </p:sp>
+      <p:sp>
+        <p:nvSpPr>
+          <p:cNvPr id="4" name="页脚占位符 3"/>
+          <p:cNvSpPr>
+            <a:spLocks noGrp="1"/>
+          </p:cNvSpPr>
+          <p:nvPr>
+            <p:ph type="ftr" sz="quarter" idx="2"/>
+          </p:nvPr>
+        </p:nvSpPr>
+        <p:spPr>
+          <a:xfrm>
+            <a:off x="0" y="6456612"/>
+            <a:ext cx="4300855" cy="341063"/>
+          </a:xfrm>
+          <a:prstGeom prst="rect">
+            <a:avLst/>
+          </a:prstGeom>
+        </p:spPr>
+        <p:txBody>
+          <a:bodyPr vert="horz" lIns="91440" tIns="45720" rIns="91440" bIns="45720" rtlCol="0" anchor="b"/>
+          <a:lstStyle>
+            <a:lvl1pPr algn="l">
+              <a:defRPr sz="1200"/>
+            </a:lvl1pPr>
+          </a:lstStyle>
+          <a:p>
+            <a:endParaRPr lang="zh-CN" altLang="en-US"/>
+          </a:p>
+        </p:txBody>
+      </p:sp>
+      <p:sp>
+        <p:nvSpPr>
+          <p:cNvPr id="5" name="灯片编号占位符 4"/>
+          <p:cNvSpPr>
+            <a:spLocks noGrp="1"/>
+          </p:cNvSpPr>
+          <p:nvPr>
+            <p:ph type="sldNum" sz="quarter" idx="3"/>
+          </p:nvPr>
+        </p:nvSpPr>
+        <p:spPr>
+          <a:xfrm>
+            <a:off x="5621898" y="6456612"/>
+            <a:ext cx="4300855" cy="341063"/>
+          </a:xfrm>
+          <a:prstGeom prst="rect">
+            <a:avLst/>
+          </a:prstGeom>
+        </p:spPr>
+        <p:txBody>
+          <a:bodyPr vert="horz" lIns="91440" tIns="45720" rIns="91440" bIns="45720" rtlCol="0" anchor="b"/>
+          <a:lstStyle>
+            <a:lvl1pPr algn="r">
+              <a:defRPr sz="1200"/>
+            </a:lvl1pPr>
+          </a:lstStyle>
+          <a:p>
+            <a:fld id="{DEDAD984-F9A3-4926-A4C0-7457EB644584}" type="slidenum">
+              <a:rPr lang="zh-CN" altLang="en-US" smtClean="0"/>
+              <a:t>‹#›</a:t>
+            </a:fld>
+            <a:endParaRPr lang="zh-CN" altLang="en-US"/>
+          </a:p>
+        </p:txBody>
+      </p:sp>
+    </p:spTree>
+    <p:extLst>
+      <p:ext uri="{BB962C8B-B14F-4D97-AF65-F5344CB8AC3E}">
+        <p14:creationId xmlns:p14="http://schemas.microsoft.com/office/powerpoint/2010/main" val="4112935445"/>
+      </p:ext>
+    </p:extLst>
+  </p:cSld>
+  <p:clrMap bg1="lt1" tx1="dk1" bg2="lt2" tx2="dk2" accent1="accent1" accent2="accent2" accent3="accent3" accent4="accent4" accent5="accent5" accent6="accent6" hlink="hlink" folHlink="folHlink"/>
+</p:handoutMaster>
+</file>
+
 <file path=ppt/ink/ink1.xml><?xml version="1.0" encoding="utf-8"?>
 <inkml:ink xmlns:inkml="http://www.w3.org/2003/InkML">
   <inkml:definitions>
@@ -263,7 +431,7 @@
         <p:spPr bwMode="auto">
           <a:xfrm>
             <a:off x="0" y="0"/>
-            <a:ext cx="2971800" cy="457200"/>
+            <a:ext cx="4300855" cy="339884"/>
           </a:xfrm>
           <a:prstGeom prst="rect">
             <a:avLst/>
@@ -333,8 +501,8 @@
         </p:nvSpPr>
         <p:spPr bwMode="auto">
           <a:xfrm>
-            <a:off x="3884613" y="0"/>
-            <a:ext cx="2971800" cy="457200"/>
+            <a:off x="5621898" y="0"/>
+            <a:ext cx="4300855" cy="339884"/>
           </a:xfrm>
           <a:prstGeom prst="rect">
             <a:avLst/>
@@ -404,8 +572,8 @@
         </p:nvSpPr>
         <p:spPr bwMode="auto">
           <a:xfrm>
-            <a:off x="1143000" y="685800"/>
-            <a:ext cx="4572000" cy="3429000"/>
+            <a:off x="3262313" y="509588"/>
+            <a:ext cx="3400425" cy="2549525"/>
           </a:xfrm>
           <a:prstGeom prst="rect">
             <a:avLst/>
@@ -455,8 +623,8 @@
         </p:nvSpPr>
         <p:spPr bwMode="auto">
           <a:xfrm>
-            <a:off x="685800" y="4343400"/>
-            <a:ext cx="5486400" cy="4114800"/>
+            <a:off x="992505" y="3228896"/>
+            <a:ext cx="7940040" cy="3058954"/>
           </a:xfrm>
           <a:prstGeom prst="rect">
             <a:avLst/>
@@ -551,8 +719,8 @@
         </p:nvSpPr>
         <p:spPr bwMode="auto">
           <a:xfrm>
-            <a:off x="0" y="8685213"/>
-            <a:ext cx="2971800" cy="457200"/>
+            <a:off x="0" y="6456612"/>
+            <a:ext cx="4300855" cy="339884"/>
           </a:xfrm>
           <a:prstGeom prst="rect">
             <a:avLst/>
@@ -622,8 +790,8 @@
         </p:nvSpPr>
         <p:spPr bwMode="auto">
           <a:xfrm>
-            <a:off x="3884613" y="8685213"/>
-            <a:ext cx="2971800" cy="457200"/>
+            <a:off x="5621898" y="6456612"/>
+            <a:ext cx="4300855" cy="339884"/>
           </a:xfrm>
           <a:prstGeom prst="rect">
             <a:avLst/>
@@ -10793,23 +10961,7 @@
                   <a:srgbClr val="FF0000"/>
                 </a:solidFill>
               </a:rPr>
-              <a:t>     </a:t>
-            </a:r>
-            <a:r>
-              <a:rPr lang="zh-CN" altLang="en-US" b="1" dirty="0" smtClean="0">
-                <a:solidFill>
-                  <a:srgbClr val="FF0000"/>
-                </a:solidFill>
-              </a:rPr>
-              <a:t>if </a:t>
-            </a:r>
-            <a:r>
-              <a:rPr lang="zh-CN" altLang="en-US" b="1" dirty="0" smtClean="0">
-                <a:solidFill>
-                  <a:srgbClr val="FF0000"/>
-                </a:solidFill>
-              </a:rPr>
-              <a:t>(</a:t>
+              <a:t>     if (</a:t>
             </a:r>
             <a:r>
               <a:rPr lang="en-US" altLang="zh-CN" b="1" dirty="0" smtClean="0">
@@ -10911,15 +11063,7 @@
                   <a:srgbClr val="FF0000"/>
                 </a:solidFill>
               </a:rPr>
-              <a:t>(0</a:t>
-            </a:r>
-            <a:r>
-              <a:rPr lang="en-US" altLang="zh-CN" b="1" dirty="0" smtClean="0">
-                <a:solidFill>
-                  <a:srgbClr val="FF0000"/>
-                </a:solidFill>
-              </a:rPr>
-              <a:t>) = ?</a:t>
+              <a:t>(0) = ?</a:t>
             </a:r>
           </a:p>
           <a:p>
@@ -11849,14 +11993,12 @@
           <a:p>
             <a:r>
               <a:rPr lang="zh-CN" altLang="en-US" dirty="0" smtClean="0">
-                <a:latin typeface="Adobe 黑体 Std R" panose="020B0400000000000000" pitchFamily="34" charset="-122"/>
-                <a:ea typeface="Adobe 黑体 Std R" panose="020B0400000000000000" pitchFamily="34" charset="-122"/>
+                <a:latin typeface="+mj-ea"/>
               </a:rPr>
               <a:t>架构相关</a:t>
             </a:r>
             <a:endParaRPr lang="zh-CN" altLang="en-US" dirty="0">
-              <a:latin typeface="Adobe 黑体 Std R" panose="020B0400000000000000" pitchFamily="34" charset="-122"/>
-              <a:ea typeface="Adobe 黑体 Std R" panose="020B0400000000000000" pitchFamily="34" charset="-122"/>
+              <a:latin typeface="+mj-ea"/>
             </a:endParaRPr>
           </a:p>
         </p:txBody>
@@ -12241,7 +12383,14 @@
                 <a:latin typeface="Adobe 楷体 Std R" panose="02020400000000000000" pitchFamily="18" charset="-122"/>
                 <a:ea typeface="Adobe 楷体 Std R" panose="02020400000000000000" pitchFamily="18" charset="-122"/>
               </a:rPr>
-              <a:t>与域名</a:t>
+              <a:t>地址与</a:t>
+            </a:r>
+            <a:r>
+              <a:rPr lang="zh-CN" altLang="en-US" dirty="0" smtClean="0">
+                <a:latin typeface="Adobe 楷体 Std R" panose="02020400000000000000" pitchFamily="18" charset="-122"/>
+                <a:ea typeface="Adobe 楷体 Std R" panose="02020400000000000000" pitchFamily="18" charset="-122"/>
+              </a:rPr>
+              <a:t>域名</a:t>
             </a:r>
             <a:endParaRPr lang="en-US" altLang="zh-CN" dirty="0" smtClean="0"/>
           </a:p>
@@ -12582,10 +12731,6 @@
               </a:rPr>
               <a:t>]</a:t>
             </a:r>
-            <a:endParaRPr lang="en-US" altLang="zh-CN" dirty="0">
-              <a:latin typeface="Adobe 楷体 Std R" panose="02020400000000000000" pitchFamily="18" charset="-122"/>
-              <a:ea typeface="Adobe 楷体 Std R" panose="02020400000000000000" pitchFamily="18" charset="-122"/>
-            </a:endParaRPr>
           </a:p>
         </p:txBody>
       </p:sp>
@@ -14585,14 +14730,12 @@
           <a:p>
             <a:r>
               <a:rPr lang="zh-CN" altLang="en-US" dirty="0" smtClean="0">
-                <a:latin typeface="Adobe 黑体 Std R" panose="020B0400000000000000" pitchFamily="34" charset="-122"/>
-                <a:ea typeface="Adobe 黑体 Std R" panose="020B0400000000000000" pitchFamily="34" charset="-122"/>
+                <a:latin typeface="+mj-ea"/>
               </a:rPr>
               <a:t>两个项目</a:t>
             </a:r>
             <a:endParaRPr lang="zh-CN" altLang="en-US" dirty="0">
-              <a:latin typeface="Adobe 黑体 Std R" panose="020B0400000000000000" pitchFamily="34" charset="-122"/>
-              <a:ea typeface="Adobe 黑体 Std R" panose="020B0400000000000000" pitchFamily="34" charset="-122"/>
+              <a:latin typeface="+mj-ea"/>
             </a:endParaRPr>
           </a:p>
         </p:txBody>
@@ -14661,7 +14804,7 @@
                 <a:ea typeface="Adobe 楷体 Std R" panose="02020400000000000000" pitchFamily="18" charset="-122"/>
                 <a:sym typeface="Wingdings" panose="05000000000000000000" pitchFamily="2" charset="2"/>
               </a:rPr>
-              <a:t>真实的代码迭代</a:t>
+              <a:t>开发迭代的过程</a:t>
             </a:r>
             <a:r>
               <a:rPr lang="zh-CN" altLang="en-US" dirty="0" smtClean="0">
@@ -15524,8 +15667,8 @@
           </a:p>
         </p:txBody>
       </p:sp>
-      <mc:AlternateContent xmlns:mc="http://schemas.openxmlformats.org/markup-compatibility/2006">
-        <mc:Choice xmlns:a14="http://schemas.microsoft.com/office/drawing/2010/main" Requires="a14">
+      <mc:AlternateContent xmlns:mc="http://schemas.openxmlformats.org/markup-compatibility/2006" xmlns:a14="http://schemas.microsoft.com/office/drawing/2010/main">
+        <mc:Choice Requires="a14">
           <p:sp>
             <p:nvSpPr>
               <p:cNvPr id="9" name="内容占位符 2">
@@ -15729,14 +15872,14 @@
                   <m:oMath xmlns:m="http://schemas.openxmlformats.org/officeDocument/2006/math">
                     <m:r>
                       <a:rPr lang="en-US" altLang="zh-CN" sz="2700" b="1">
-                        <a:latin typeface="Adobe 楷体 Std R" panose="02020400000000000000" pitchFamily="18" charset="-122"/>
+                        <a:latin typeface="Cambria Math" panose="02040503050406030204" pitchFamily="18" charset="0"/>
                         <a:ea typeface="Adobe 楷体 Std R" panose="02020400000000000000" pitchFamily="18" charset="-122"/>
                       </a:rPr>
                       <m:t>≠ </m:t>
                     </m:r>
                     <m:r>
                       <a:rPr lang="zh-CN" altLang="en-US" sz="2700" b="1">
-                        <a:latin typeface="Adobe 楷体 Std R" panose="02020400000000000000" pitchFamily="18" charset="-122"/>
+                        <a:latin typeface="Cambria Math" panose="02040503050406030204" pitchFamily="18" charset="0"/>
                         <a:ea typeface="Adobe 楷体 Std R" panose="02020400000000000000" pitchFamily="18" charset="-122"/>
                       </a:rPr>
                       <m:t>代码</m:t>
@@ -15959,7 +16102,7 @@
             </p:txBody>
           </p:sp>
         </mc:Choice>
-        <mc:Fallback>
+        <mc:Fallback xmlns="">
           <p:sp>
             <p:nvSpPr>
               <p:cNvPr id="9" name="内容占位符 2">
@@ -16147,11 +16290,11 @@
           <a:p>
             <a:pPr lvl="1"/>
             <a:r>
-              <a:rPr lang="zh-CN" altLang="en-US" dirty="0" smtClean="0">
-                <a:latin typeface="Adobe 楷体 Std R" panose="02020400000000000000" pitchFamily="18" charset="-122"/>
-                <a:ea typeface="Adobe 楷体 Std R" panose="02020400000000000000" pitchFamily="18" charset="-122"/>
-              </a:rPr>
-              <a:t>无人机</a:t>
+              <a:rPr lang="zh-CN" altLang="en-US" dirty="0">
+                <a:latin typeface="Adobe 楷体 Std R" panose="02020400000000000000" pitchFamily="18" charset="-122"/>
+                <a:ea typeface="Adobe 楷体 Std R" panose="02020400000000000000" pitchFamily="18" charset="-122"/>
+              </a:rPr>
+              <a:t>汽车</a:t>
             </a:r>
             <a:endParaRPr lang="en-US" altLang="zh-CN" dirty="0" smtClean="0">
               <a:latin typeface="Adobe 楷体 Std R" panose="02020400000000000000" pitchFamily="18" charset="-122"/>
@@ -16883,8 +17026,8 @@
         </p:nvSpPr>
         <p:spPr>
           <a:xfrm>
-            <a:off x="1547664" y="2420888"/>
-            <a:ext cx="2736304" cy="3263504"/>
+            <a:off x="2051720" y="2451131"/>
+            <a:ext cx="2304256" cy="3407520"/>
           </a:xfrm>
           <a:solidFill>
             <a:srgbClr val="FF9900"/>
@@ -16904,22 +17047,22 @@
               <a:buChar char="•"/>
             </a:pPr>
             <a:r>
-              <a:rPr lang="zh-CN" altLang="en-US" sz="2800" b="1" dirty="0">
-                <a:latin typeface="华文新魏" panose="02010800040101010101" pitchFamily="2" charset="-122"/>
-                <a:ea typeface="华文新魏" panose="02010800040101010101" pitchFamily="2" charset="-122"/>
+              <a:rPr lang="zh-CN" altLang="en-US" sz="2800" dirty="0">
+                <a:latin typeface="华文楷体" panose="02010600040101010101" pitchFamily="2" charset="-122"/>
+                <a:ea typeface="华文楷体" panose="02010600040101010101" pitchFamily="2" charset="-122"/>
               </a:rPr>
               <a:t>产品</a:t>
             </a:r>
             <a:r>
-              <a:rPr lang="zh-CN" altLang="en-US" sz="2800" b="1" dirty="0" smtClean="0">
-                <a:latin typeface="华文新魏" panose="02010800040101010101" pitchFamily="2" charset="-122"/>
-                <a:ea typeface="华文新魏" panose="02010800040101010101" pitchFamily="2" charset="-122"/>
+              <a:rPr lang="zh-CN" altLang="en-US" sz="2800" dirty="0" smtClean="0">
+                <a:latin typeface="华文楷体" panose="02010600040101010101" pitchFamily="2" charset="-122"/>
+                <a:ea typeface="华文楷体" panose="02010600040101010101" pitchFamily="2" charset="-122"/>
               </a:rPr>
               <a:t>经理</a:t>
             </a:r>
-            <a:endParaRPr lang="en-US" altLang="zh-CN" sz="2800" b="1" dirty="0" smtClean="0">
-              <a:latin typeface="华文新魏" panose="02010800040101010101" pitchFamily="2" charset="-122"/>
-              <a:ea typeface="华文新魏" panose="02010800040101010101" pitchFamily="2" charset="-122"/>
+            <a:endParaRPr lang="en-US" altLang="zh-CN" sz="2800" dirty="0" smtClean="0">
+              <a:latin typeface="华文楷体" panose="02010600040101010101" pitchFamily="2" charset="-122"/>
+              <a:ea typeface="华文楷体" panose="02010600040101010101" pitchFamily="2" charset="-122"/>
             </a:endParaRPr>
           </a:p>
           <a:p>
@@ -16931,22 +17074,22 @@
               <a:buChar char="•"/>
             </a:pPr>
             <a:r>
-              <a:rPr lang="zh-CN" altLang="en-US" sz="2800" b="1" dirty="0" smtClean="0">
-                <a:latin typeface="华文新魏" panose="02010800040101010101" pitchFamily="2" charset="-122"/>
-                <a:ea typeface="华文新魏" panose="02010800040101010101" pitchFamily="2" charset="-122"/>
+              <a:rPr lang="zh-CN" altLang="en-US" sz="2800" dirty="0" smtClean="0">
+                <a:latin typeface="华文楷体" panose="02010600040101010101" pitchFamily="2" charset="-122"/>
+                <a:ea typeface="华文楷体" panose="02010600040101010101" pitchFamily="2" charset="-122"/>
               </a:rPr>
               <a:t>项目</a:t>
             </a:r>
             <a:r>
-              <a:rPr lang="zh-CN" altLang="en-US" sz="2800" b="1" dirty="0">
-                <a:latin typeface="华文新魏" panose="02010800040101010101" pitchFamily="2" charset="-122"/>
-                <a:ea typeface="华文新魏" panose="02010800040101010101" pitchFamily="2" charset="-122"/>
+              <a:rPr lang="zh-CN" altLang="en-US" sz="2800" dirty="0">
+                <a:latin typeface="华文楷体" panose="02010600040101010101" pitchFamily="2" charset="-122"/>
+                <a:ea typeface="华文楷体" panose="02010600040101010101" pitchFamily="2" charset="-122"/>
               </a:rPr>
               <a:t>经理</a:t>
             </a:r>
-            <a:endParaRPr lang="en-US" altLang="zh-CN" sz="2800" b="1" dirty="0">
-              <a:latin typeface="华文新魏" panose="02010800040101010101" pitchFamily="2" charset="-122"/>
-              <a:ea typeface="华文新魏" panose="02010800040101010101" pitchFamily="2" charset="-122"/>
+            <a:endParaRPr lang="en-US" altLang="zh-CN" sz="2800" dirty="0">
+              <a:latin typeface="华文楷体" panose="02010600040101010101" pitchFamily="2" charset="-122"/>
+              <a:ea typeface="华文楷体" panose="02010600040101010101" pitchFamily="2" charset="-122"/>
             </a:endParaRPr>
           </a:p>
           <a:p>
@@ -16958,15 +17101,15 @@
               <a:buChar char="•"/>
             </a:pPr>
             <a:r>
-              <a:rPr lang="zh-CN" altLang="en-US" sz="2800" b="1" dirty="0">
-                <a:latin typeface="华文新魏" panose="02010800040101010101" pitchFamily="2" charset="-122"/>
-                <a:ea typeface="华文新魏" panose="02010800040101010101" pitchFamily="2" charset="-122"/>
+              <a:rPr lang="zh-CN" altLang="en-US" sz="2800" dirty="0">
+                <a:latin typeface="华文楷体" panose="02010600040101010101" pitchFamily="2" charset="-122"/>
+                <a:ea typeface="华文楷体" panose="02010600040101010101" pitchFamily="2" charset="-122"/>
               </a:rPr>
               <a:t>架构师</a:t>
             </a:r>
-            <a:endParaRPr lang="en-US" altLang="zh-CN" sz="2800" b="1" dirty="0">
-              <a:latin typeface="华文新魏" panose="02010800040101010101" pitchFamily="2" charset="-122"/>
-              <a:ea typeface="华文新魏" panose="02010800040101010101" pitchFamily="2" charset="-122"/>
+            <a:endParaRPr lang="en-US" altLang="zh-CN" sz="2800" dirty="0">
+              <a:latin typeface="华文楷体" panose="02010600040101010101" pitchFamily="2" charset="-122"/>
+              <a:ea typeface="华文楷体" panose="02010600040101010101" pitchFamily="2" charset="-122"/>
             </a:endParaRPr>
           </a:p>
           <a:p>
@@ -16978,15 +17121,15 @@
               <a:buChar char="•"/>
             </a:pPr>
             <a:r>
-              <a:rPr lang="zh-CN" altLang="en-US" sz="2800" b="1" dirty="0">
-                <a:latin typeface="华文新魏" panose="02010800040101010101" pitchFamily="2" charset="-122"/>
-                <a:ea typeface="华文新魏" panose="02010800040101010101" pitchFamily="2" charset="-122"/>
+              <a:rPr lang="zh-CN" altLang="en-US" sz="2800" dirty="0">
+                <a:latin typeface="华文楷体" panose="02010600040101010101" pitchFamily="2" charset="-122"/>
+                <a:ea typeface="华文楷体" panose="02010600040101010101" pitchFamily="2" charset="-122"/>
               </a:rPr>
               <a:t>需求分析师</a:t>
             </a:r>
-            <a:endParaRPr lang="en-US" altLang="zh-CN" sz="2800" b="1" dirty="0">
-              <a:latin typeface="华文新魏" panose="02010800040101010101" pitchFamily="2" charset="-122"/>
-              <a:ea typeface="华文新魏" panose="02010800040101010101" pitchFamily="2" charset="-122"/>
+            <a:endParaRPr lang="en-US" altLang="zh-CN" sz="2800" dirty="0">
+              <a:latin typeface="华文楷体" panose="02010600040101010101" pitchFamily="2" charset="-122"/>
+              <a:ea typeface="华文楷体" panose="02010600040101010101" pitchFamily="2" charset="-122"/>
             </a:endParaRPr>
           </a:p>
         </p:txBody>
@@ -17008,7 +17151,7 @@
         <p:spPr bwMode="auto">
           <a:xfrm>
             <a:off x="4788024" y="2444032"/>
-            <a:ext cx="2880320" cy="3384376"/>
+            <a:ext cx="2592288" cy="3384376"/>
           </a:xfrm>
           <a:prstGeom prst="rect">
             <a:avLst/>
@@ -17253,15 +17396,15 @@
               <a:buChar char="•"/>
             </a:pPr>
             <a:r>
-              <a:rPr lang="zh-CN" altLang="en-US" sz="2800" b="1" dirty="0">
-                <a:latin typeface="华文新魏" panose="02010800040101010101" pitchFamily="2" charset="-122"/>
-                <a:ea typeface="华文新魏" panose="02010800040101010101" pitchFamily="2" charset="-122"/>
+              <a:rPr lang="zh-CN" altLang="en-US" sz="2800" dirty="0">
+                <a:latin typeface="华文楷体" panose="02010600040101010101" pitchFamily="2" charset="-122"/>
+                <a:ea typeface="华文楷体" panose="02010600040101010101" pitchFamily="2" charset="-122"/>
               </a:rPr>
               <a:t>系统分析师</a:t>
             </a:r>
-            <a:endParaRPr lang="en-US" altLang="zh-CN" sz="2800" b="1" dirty="0">
-              <a:latin typeface="华文新魏" panose="02010800040101010101" pitchFamily="2" charset="-122"/>
-              <a:ea typeface="华文新魏" panose="02010800040101010101" pitchFamily="2" charset="-122"/>
+            <a:endParaRPr lang="en-US" altLang="zh-CN" sz="2800" dirty="0">
+              <a:latin typeface="华文楷体" panose="02010600040101010101" pitchFamily="2" charset="-122"/>
+              <a:ea typeface="华文楷体" panose="02010600040101010101" pitchFamily="2" charset="-122"/>
             </a:endParaRPr>
           </a:p>
           <a:p>
@@ -17273,15 +17416,15 @@
               <a:buChar char="•"/>
             </a:pPr>
             <a:r>
-              <a:rPr lang="en-US" altLang="zh-CN" sz="2800" b="1" dirty="0" smtClean="0">
-                <a:latin typeface="华文新魏" panose="02010800040101010101" pitchFamily="2" charset="-122"/>
-                <a:ea typeface="华文新魏" panose="02010800040101010101" pitchFamily="2" charset="-122"/>
+              <a:rPr lang="en-US" altLang="zh-CN" sz="2800" dirty="0" smtClean="0">
+                <a:latin typeface="华文楷体" panose="02010600040101010101" pitchFamily="2" charset="-122"/>
+                <a:ea typeface="华文楷体" panose="02010600040101010101" pitchFamily="2" charset="-122"/>
               </a:rPr>
               <a:t>DBA</a:t>
             </a:r>
-            <a:endParaRPr lang="en-US" altLang="zh-CN" sz="2800" b="1" dirty="0">
-              <a:latin typeface="华文新魏" panose="02010800040101010101" pitchFamily="2" charset="-122"/>
-              <a:ea typeface="华文新魏" panose="02010800040101010101" pitchFamily="2" charset="-122"/>
+            <a:endParaRPr lang="en-US" altLang="zh-CN" sz="2800" dirty="0">
+              <a:latin typeface="华文楷体" panose="02010600040101010101" pitchFamily="2" charset="-122"/>
+              <a:ea typeface="华文楷体" panose="02010600040101010101" pitchFamily="2" charset="-122"/>
             </a:endParaRPr>
           </a:p>
           <a:p>
@@ -17293,15 +17436,15 @@
               <a:buChar char="•"/>
             </a:pPr>
             <a:r>
-              <a:rPr lang="zh-CN" altLang="en-US" sz="2800" b="1" dirty="0">
-                <a:latin typeface="华文新魏" panose="02010800040101010101" pitchFamily="2" charset="-122"/>
-                <a:ea typeface="华文新魏" panose="02010800040101010101" pitchFamily="2" charset="-122"/>
+              <a:rPr lang="zh-CN" altLang="en-US" sz="2800" dirty="0">
+                <a:latin typeface="华文楷体" panose="02010600040101010101" pitchFamily="2" charset="-122"/>
+                <a:ea typeface="华文楷体" panose="02010600040101010101" pitchFamily="2" charset="-122"/>
               </a:rPr>
               <a:t>开发人员</a:t>
             </a:r>
-            <a:endParaRPr lang="en-US" altLang="zh-CN" sz="2800" b="1" dirty="0">
-              <a:latin typeface="华文新魏" panose="02010800040101010101" pitchFamily="2" charset="-122"/>
-              <a:ea typeface="华文新魏" panose="02010800040101010101" pitchFamily="2" charset="-122"/>
+            <a:endParaRPr lang="en-US" altLang="zh-CN" sz="2800" dirty="0">
+              <a:latin typeface="华文楷体" panose="02010600040101010101" pitchFamily="2" charset="-122"/>
+              <a:ea typeface="华文楷体" panose="02010600040101010101" pitchFamily="2" charset="-122"/>
             </a:endParaRPr>
           </a:p>
           <a:p>
@@ -17313,15 +17456,15 @@
               <a:buChar char="•"/>
             </a:pPr>
             <a:r>
-              <a:rPr lang="zh-CN" altLang="en-US" sz="2800" b="1" dirty="0">
-                <a:latin typeface="华文新魏" panose="02010800040101010101" pitchFamily="2" charset="-122"/>
-                <a:ea typeface="华文新魏" panose="02010800040101010101" pitchFamily="2" charset="-122"/>
+              <a:rPr lang="zh-CN" altLang="en-US" sz="2800" dirty="0">
+                <a:latin typeface="华文楷体" panose="02010600040101010101" pitchFamily="2" charset="-122"/>
+                <a:ea typeface="华文楷体" panose="02010600040101010101" pitchFamily="2" charset="-122"/>
               </a:rPr>
               <a:t>测试人员</a:t>
             </a:r>
-            <a:endParaRPr lang="en-US" altLang="zh-CN" sz="2800" b="1" dirty="0">
-              <a:latin typeface="华文新魏" panose="02010800040101010101" pitchFamily="2" charset="-122"/>
-              <a:ea typeface="华文新魏" panose="02010800040101010101" pitchFamily="2" charset="-122"/>
+            <a:endParaRPr lang="en-US" altLang="zh-CN" sz="2800" dirty="0">
+              <a:latin typeface="华文楷体" panose="02010600040101010101" pitchFamily="2" charset="-122"/>
+              <a:ea typeface="华文楷体" panose="02010600040101010101" pitchFamily="2" charset="-122"/>
             </a:endParaRPr>
           </a:p>
           <a:p>
@@ -17333,15 +17476,15 @@
               <a:buChar char="•"/>
             </a:pPr>
             <a:r>
-              <a:rPr lang="zh-CN" altLang="en-US" sz="2800" b="1" dirty="0">
-                <a:latin typeface="华文新魏" panose="02010800040101010101" pitchFamily="2" charset="-122"/>
-                <a:ea typeface="华文新魏" panose="02010800040101010101" pitchFamily="2" charset="-122"/>
+              <a:rPr lang="zh-CN" altLang="en-US" sz="2800" dirty="0">
+                <a:latin typeface="华文楷体" panose="02010600040101010101" pitchFamily="2" charset="-122"/>
+                <a:ea typeface="华文楷体" panose="02010600040101010101" pitchFamily="2" charset="-122"/>
               </a:rPr>
               <a:t>运维人员</a:t>
             </a:r>
-            <a:endParaRPr lang="en-US" altLang="zh-CN" sz="2800" b="1" dirty="0">
-              <a:latin typeface="华文新魏" panose="02010800040101010101" pitchFamily="2" charset="-122"/>
-              <a:ea typeface="华文新魏" panose="02010800040101010101" pitchFamily="2" charset="-122"/>
+            <a:endParaRPr lang="en-US" altLang="zh-CN" sz="2800" dirty="0">
+              <a:latin typeface="华文楷体" panose="02010600040101010101" pitchFamily="2" charset="-122"/>
+              <a:ea typeface="华文楷体" panose="02010600040101010101" pitchFamily="2" charset="-122"/>
             </a:endParaRPr>
           </a:p>
         </p:txBody>
@@ -17545,43 +17688,14 @@
           </a:p>
           <a:p>
             <a:r>
-              <a:rPr lang="zh-CN" altLang="en-US" sz="2000" b="1" dirty="0" smtClean="0">
-                <a:latin typeface="华文楷体" panose="02010600040101010101" pitchFamily="2" charset="-122"/>
-                <a:ea typeface="华文楷体" panose="02010600040101010101" pitchFamily="2" charset="-122"/>
-              </a:rPr>
-              <a:t>蓝</a:t>
-            </a:r>
-            <a:r>
-              <a:rPr lang="zh-CN" altLang="en-US" sz="2000" b="1" dirty="0">
-                <a:latin typeface="华文楷体" panose="02010600040101010101" pitchFamily="2" charset="-122"/>
-                <a:ea typeface="华文楷体" panose="02010600040101010101" pitchFamily="2" charset="-122"/>
-              </a:rPr>
-              <a:t>牙设备</a:t>
-            </a:r>
-            <a:r>
-              <a:rPr lang="zh-CN" altLang="en-US" sz="2000" b="1" dirty="0">
-                <a:latin typeface="华文楷体" panose="02010600040101010101" pitchFamily="2" charset="-122"/>
-                <a:ea typeface="华文楷体" panose="02010600040101010101" pitchFamily="2" charset="-122"/>
-                <a:sym typeface="Wingdings" panose="05000000000000000000" pitchFamily="2" charset="2"/>
-              </a:rPr>
-              <a:t></a:t>
-            </a:r>
-            <a:endParaRPr lang="en-US" altLang="zh-CN" sz="2000" b="1" dirty="0">
-              <a:latin typeface="华文楷体" panose="02010600040101010101" pitchFamily="2" charset="-122"/>
-              <a:ea typeface="华文楷体" panose="02010600040101010101" pitchFamily="2" charset="-122"/>
-              <a:sym typeface="Wingdings" panose="05000000000000000000" pitchFamily="2" charset="2"/>
-            </a:endParaRPr>
-          </a:p>
-          <a:p>
-            <a:r>
-              <a:rPr lang="en-US" altLang="zh-CN" sz="2000" b="1" dirty="0">
+              <a:rPr lang="en-US" altLang="zh-CN" sz="2000" b="1" dirty="0" smtClean="0">
                 <a:latin typeface="华文新魏" panose="02010800040101010101" pitchFamily="2" charset="-122"/>
                 <a:ea typeface="华文新魏" panose="02010800040101010101" pitchFamily="2" charset="-122"/>
                 <a:sym typeface="Wingdings" panose="05000000000000000000" pitchFamily="2" charset="2"/>
               </a:rPr>
               <a:t>……</a:t>
             </a:r>
-            <a:endParaRPr lang="en-US" altLang="zh-CN" sz="2000" b="1" dirty="0">
+            <a:endParaRPr lang="en-US" altLang="zh-CN" sz="2000" b="1" dirty="0" smtClean="0">
               <a:latin typeface="华文新魏" panose="02010800040101010101" pitchFamily="2" charset="-122"/>
               <a:ea typeface="华文新魏" panose="02010800040101010101" pitchFamily="2" charset="-122"/>
             </a:endParaRPr>
@@ -18804,4 +18918,265 @@
     </a:ext>
   </a:extLst>
 </a:theme>
+</file>
+
+<file path=ppt/theme/theme3.xml><?xml version="1.0" encoding="utf-8"?>
+<a:theme xmlns:a="http://schemas.openxmlformats.org/drawingml/2006/main" name="Office 主题​​">
+  <a:themeElements>
+    <a:clrScheme name="Office">
+      <a:dk1>
+        <a:sysClr val="windowText" lastClr="000000"/>
+      </a:dk1>
+      <a:lt1>
+        <a:sysClr val="window" lastClr="FFFFFF"/>
+      </a:lt1>
+      <a:dk2>
+        <a:srgbClr val="44546A"/>
+      </a:dk2>
+      <a:lt2>
+        <a:srgbClr val="E7E6E6"/>
+      </a:lt2>
+      <a:accent1>
+        <a:srgbClr val="5B9BD5"/>
+      </a:accent1>
+      <a:accent2>
+        <a:srgbClr val="ED7D31"/>
+      </a:accent2>
+      <a:accent3>
+        <a:srgbClr val="A5A5A5"/>
+      </a:accent3>
+      <a:accent4>
+        <a:srgbClr val="FFC000"/>
+      </a:accent4>
+      <a:accent5>
+        <a:srgbClr val="4472C4"/>
+      </a:accent5>
+      <a:accent6>
+        <a:srgbClr val="70AD47"/>
+      </a:accent6>
+      <a:hlink>
+        <a:srgbClr val="0563C1"/>
+      </a:hlink>
+      <a:folHlink>
+        <a:srgbClr val="954F72"/>
+      </a:folHlink>
+    </a:clrScheme>
+    <a:fontScheme name="Office">
+      <a:majorFont>
+        <a:latin typeface="等线 Light" panose="020F0302020204030204"/>
+        <a:ea typeface=""/>
+        <a:cs typeface=""/>
+        <a:font script="Jpan" typeface="游ゴシック Light"/>
+        <a:font script="Hang" typeface="맑은 고딕"/>
+        <a:font script="Hans" typeface="等线 Light"/>
+        <a:font script="Hant" typeface="新細明體"/>
+        <a:font script="Arab" typeface="Times New Roman"/>
+        <a:font script="Hebr" typeface="Times New Roman"/>
+        <a:font script="Thai" typeface="Angsana New"/>
+        <a:font script="Ethi" typeface="Nyala"/>
+        <a:font script="Beng" typeface="Vrinda"/>
+        <a:font script="Gujr" typeface="Shruti"/>
+        <a:font script="Khmr" typeface="MoolBoran"/>
+        <a:font script="Knda" typeface="Tunga"/>
+        <a:font script="Guru" typeface="Raavi"/>
+        <a:font script="Cans" typeface="Euphemia"/>
+        <a:font script="Cher" typeface="Plantagenet Cherokee"/>
+        <a:font script="Yiii" typeface="Microsoft Yi Baiti"/>
+        <a:font script="Tibt" typeface="Microsoft Himalaya"/>
+        <a:font script="Thaa" typeface="MV Boli"/>
+        <a:font script="Deva" typeface="Mangal"/>
+        <a:font script="Telu" typeface="Gautami"/>
+        <a:font script="Taml" typeface="Latha"/>
+        <a:font script="Syrc" typeface="Estrangelo Edessa"/>
+        <a:font script="Orya" typeface="Kalinga"/>
+        <a:font script="Mlym" typeface="Kartika"/>
+        <a:font script="Laoo" typeface="DokChampa"/>
+        <a:font script="Sinh" typeface="Iskoola Pota"/>
+        <a:font script="Mong" typeface="Mongolian Baiti"/>
+        <a:font script="Viet" typeface="Times New Roman"/>
+        <a:font script="Uigh" typeface="Microsoft Uighur"/>
+        <a:font script="Geor" typeface="Sylfaen"/>
+      </a:majorFont>
+      <a:minorFont>
+        <a:latin typeface="等线" panose="020F0502020204030204"/>
+        <a:ea typeface=""/>
+        <a:cs typeface=""/>
+        <a:font script="Jpan" typeface="游ゴシック"/>
+        <a:font script="Hang" typeface="맑은 고딕"/>
+        <a:font script="Hans" typeface="等线"/>
+        <a:font script="Hant" typeface="新細明體"/>
+        <a:font script="Arab" typeface="Arial"/>
+        <a:font script="Hebr" typeface="Arial"/>
+        <a:font script="Thai" typeface="Cordia New"/>
+        <a:font script="Ethi" typeface="Nyala"/>
+        <a:font script="Beng" typeface="Vrinda"/>
+        <a:font script="Gujr" typeface="Shruti"/>
+        <a:font script="Khmr" typeface="DaunPenh"/>
+        <a:font script="Knda" typeface="Tunga"/>
+        <a:font script="Guru" typeface="Raavi"/>
+        <a:font script="Cans" typeface="Euphemia"/>
+        <a:font script="Cher" typeface="Plantagenet Cherokee"/>
+        <a:font script="Yiii" typeface="Microsoft Yi Baiti"/>
+        <a:font script="Tibt" typeface="Microsoft Himalaya"/>
+        <a:font script="Thaa" typeface="MV Boli"/>
+        <a:font script="Deva" typeface="Mangal"/>
+        <a:font script="Telu" typeface="Gautami"/>
+        <a:font script="Taml" typeface="Latha"/>
+        <a:font script="Syrc" typeface="Estrangelo Edessa"/>
+        <a:font script="Orya" typeface="Kalinga"/>
+        <a:font script="Mlym" typeface="Kartika"/>
+        <a:font script="Laoo" typeface="DokChampa"/>
+        <a:font script="Sinh" typeface="Iskoola Pota"/>
+        <a:font script="Mong" typeface="Mongolian Baiti"/>
+        <a:font script="Viet" typeface="Arial"/>
+        <a:font script="Uigh" typeface="Microsoft Uighur"/>
+        <a:font script="Geor" typeface="Sylfaen"/>
+      </a:minorFont>
+    </a:fontScheme>
+    <a:fmtScheme name="Office">
+      <a:fillStyleLst>
+        <a:solidFill>
+          <a:schemeClr val="phClr"/>
+        </a:solidFill>
+        <a:gradFill rotWithShape="1">
+          <a:gsLst>
+            <a:gs pos="0">
+              <a:schemeClr val="phClr">
+                <a:lumMod val="110000"/>
+                <a:satMod val="105000"/>
+                <a:tint val="67000"/>
+              </a:schemeClr>
+            </a:gs>
+            <a:gs pos="50000">
+              <a:schemeClr val="phClr">
+                <a:lumMod val="105000"/>
+                <a:satMod val="103000"/>
+                <a:tint val="73000"/>
+              </a:schemeClr>
+            </a:gs>
+            <a:gs pos="100000">
+              <a:schemeClr val="phClr">
+                <a:lumMod val="105000"/>
+                <a:satMod val="109000"/>
+                <a:tint val="81000"/>
+              </a:schemeClr>
+            </a:gs>
+          </a:gsLst>
+          <a:lin ang="5400000" scaled="0"/>
+        </a:gradFill>
+        <a:gradFill rotWithShape="1">
+          <a:gsLst>
+            <a:gs pos="0">
+              <a:schemeClr val="phClr">
+                <a:satMod val="103000"/>
+                <a:lumMod val="102000"/>
+                <a:tint val="94000"/>
+              </a:schemeClr>
+            </a:gs>
+            <a:gs pos="50000">
+              <a:schemeClr val="phClr">
+                <a:satMod val="110000"/>
+                <a:lumMod val="100000"/>
+                <a:shade val="100000"/>
+              </a:schemeClr>
+            </a:gs>
+            <a:gs pos="100000">
+              <a:schemeClr val="phClr">
+                <a:lumMod val="99000"/>
+                <a:satMod val="120000"/>
+                <a:shade val="78000"/>
+              </a:schemeClr>
+            </a:gs>
+          </a:gsLst>
+          <a:lin ang="5400000" scaled="0"/>
+        </a:gradFill>
+      </a:fillStyleLst>
+      <a:lnStyleLst>
+        <a:ln w="6350" cap="flat" cmpd="sng" algn="ctr">
+          <a:solidFill>
+            <a:schemeClr val="phClr"/>
+          </a:solidFill>
+          <a:prstDash val="solid"/>
+          <a:miter lim="800000"/>
+        </a:ln>
+        <a:ln w="12700" cap="flat" cmpd="sng" algn="ctr">
+          <a:solidFill>
+            <a:schemeClr val="phClr"/>
+          </a:solidFill>
+          <a:prstDash val="solid"/>
+          <a:miter lim="800000"/>
+        </a:ln>
+        <a:ln w="19050" cap="flat" cmpd="sng" algn="ctr">
+          <a:solidFill>
+            <a:schemeClr val="phClr"/>
+          </a:solidFill>
+          <a:prstDash val="solid"/>
+          <a:miter lim="800000"/>
+        </a:ln>
+      </a:lnStyleLst>
+      <a:effectStyleLst>
+        <a:effectStyle>
+          <a:effectLst/>
+        </a:effectStyle>
+        <a:effectStyle>
+          <a:effectLst/>
+        </a:effectStyle>
+        <a:effectStyle>
+          <a:effectLst>
+            <a:outerShdw blurRad="57150" dist="19050" dir="5400000" algn="ctr" rotWithShape="0">
+              <a:srgbClr val="000000">
+                <a:alpha val="63000"/>
+              </a:srgbClr>
+            </a:outerShdw>
+          </a:effectLst>
+        </a:effectStyle>
+      </a:effectStyleLst>
+      <a:bgFillStyleLst>
+        <a:solidFill>
+          <a:schemeClr val="phClr"/>
+        </a:solidFill>
+        <a:solidFill>
+          <a:schemeClr val="phClr">
+            <a:tint val="95000"/>
+            <a:satMod val="170000"/>
+          </a:schemeClr>
+        </a:solidFill>
+        <a:gradFill rotWithShape="1">
+          <a:gsLst>
+            <a:gs pos="0">
+              <a:schemeClr val="phClr">
+                <a:tint val="93000"/>
+                <a:satMod val="150000"/>
+                <a:shade val="98000"/>
+                <a:lumMod val="102000"/>
+              </a:schemeClr>
+            </a:gs>
+            <a:gs pos="50000">
+              <a:schemeClr val="phClr">
+                <a:tint val="98000"/>
+                <a:satMod val="130000"/>
+                <a:shade val="90000"/>
+                <a:lumMod val="103000"/>
+              </a:schemeClr>
+            </a:gs>
+            <a:gs pos="100000">
+              <a:schemeClr val="phClr">
+                <a:shade val="63000"/>
+                <a:satMod val="120000"/>
+              </a:schemeClr>
+            </a:gs>
+          </a:gsLst>
+          <a:lin ang="5400000" scaled="0"/>
+        </a:gradFill>
+      </a:bgFillStyleLst>
+    </a:fmtScheme>
+  </a:themeElements>
+  <a:objectDefaults/>
+  <a:extraClrSchemeLst/>
+  <a:extLst>
+    <a:ext uri="{05A4C25C-085E-4340-85A3-A5531E510DB2}">
+      <thm15:themeFamily xmlns:thm15="http://schemas.microsoft.com/office/thememl/2012/main" name="Office Theme" id="{62F939B6-93AF-4DB8-9C6B-D6C7DFDC589F}" vid="{4A3C46E8-61CC-4603-A589-7422A47A8E4A}"/>
+    </a:ext>
+  </a:extLst>
+</a:theme>
 </file>